--- a/Presentacion 6 trimestre 2017.pptx
+++ b/Presentacion 6 trimestre 2017.pptx
@@ -6065,28 +6065,28 @@
                 <a:gridCol w="1845232">
                   <a:extLst>
                     <a:ext uri="{9D8B030D-6E8A-4147-A177-3AD203B41FA5}">
-                      <a16:colId xmlns="" xmlns:a16="http://schemas.microsoft.com/office/drawing/2014/main" val="20000"/>
+                      <a16:colId xmlns:a16="http://schemas.microsoft.com/office/drawing/2014/main" xmlns="" val="20000"/>
                     </a:ext>
                   </a:extLst>
                 </a:gridCol>
                 <a:gridCol w="1246110">
                   <a:extLst>
                     <a:ext uri="{9D8B030D-6E8A-4147-A177-3AD203B41FA5}">
-                      <a16:colId xmlns="" xmlns:a16="http://schemas.microsoft.com/office/drawing/2014/main" val="20001"/>
+                      <a16:colId xmlns:a16="http://schemas.microsoft.com/office/drawing/2014/main" xmlns="" val="20001"/>
                     </a:ext>
                   </a:extLst>
                 </a:gridCol>
                 <a:gridCol w="1545672">
                   <a:extLst>
                     <a:ext uri="{9D8B030D-6E8A-4147-A177-3AD203B41FA5}">
-                      <a16:colId xmlns="" xmlns:a16="http://schemas.microsoft.com/office/drawing/2014/main" val="20002"/>
+                      <a16:colId xmlns:a16="http://schemas.microsoft.com/office/drawing/2014/main" xmlns="" val="20002"/>
                     </a:ext>
                   </a:extLst>
                 </a:gridCol>
                 <a:gridCol w="1545672">
                   <a:extLst>
                     <a:ext uri="{9D8B030D-6E8A-4147-A177-3AD203B41FA5}">
-                      <a16:colId xmlns="" xmlns:a16="http://schemas.microsoft.com/office/drawing/2014/main" val="20003"/>
+                      <a16:colId xmlns:a16="http://schemas.microsoft.com/office/drawing/2014/main" xmlns="" val="20003"/>
                     </a:ext>
                   </a:extLst>
                 </a:gridCol>
@@ -6170,7 +6170,7 @@
                 </a:tc>
                 <a:extLst>
                   <a:ext uri="{0D108BD9-81ED-4DB2-BD59-A6C34878D82A}">
-                    <a16:rowId xmlns="" xmlns:a16="http://schemas.microsoft.com/office/drawing/2014/main" val="10000"/>
+                    <a16:rowId xmlns:a16="http://schemas.microsoft.com/office/drawing/2014/main" xmlns="" val="10000"/>
                   </a:ext>
                 </a:extLst>
               </a:tr>
@@ -6241,7 +6241,7 @@
                 </a:tc>
                 <a:extLst>
                   <a:ext uri="{0D108BD9-81ED-4DB2-BD59-A6C34878D82A}">
-                    <a16:rowId xmlns="" xmlns:a16="http://schemas.microsoft.com/office/drawing/2014/main" val="10001"/>
+                    <a16:rowId xmlns:a16="http://schemas.microsoft.com/office/drawing/2014/main" xmlns="" val="10001"/>
                   </a:ext>
                 </a:extLst>
               </a:tr>
@@ -6329,7 +6329,7 @@
                 </a:tc>
                 <a:extLst>
                   <a:ext uri="{0D108BD9-81ED-4DB2-BD59-A6C34878D82A}">
-                    <a16:rowId xmlns="" xmlns:a16="http://schemas.microsoft.com/office/drawing/2014/main" val="10002"/>
+                    <a16:rowId xmlns:a16="http://schemas.microsoft.com/office/drawing/2014/main" xmlns="" val="10002"/>
                   </a:ext>
                 </a:extLst>
               </a:tr>
@@ -6365,28 +6365,28 @@
                 <a:gridCol w="1862938">
                   <a:extLst>
                     <a:ext uri="{9D8B030D-6E8A-4147-A177-3AD203B41FA5}">
-                      <a16:colId xmlns="" xmlns:a16="http://schemas.microsoft.com/office/drawing/2014/main" val="20000"/>
+                      <a16:colId xmlns:a16="http://schemas.microsoft.com/office/drawing/2014/main" xmlns="" val="20000"/>
                     </a:ext>
                   </a:extLst>
                 </a:gridCol>
                 <a:gridCol w="1728355">
                   <a:extLst>
                     <a:ext uri="{9D8B030D-6E8A-4147-A177-3AD203B41FA5}">
-                      <a16:colId xmlns="" xmlns:a16="http://schemas.microsoft.com/office/drawing/2014/main" val="20001"/>
+                      <a16:colId xmlns:a16="http://schemas.microsoft.com/office/drawing/2014/main" xmlns="" val="20001"/>
                     </a:ext>
                   </a:extLst>
                 </a:gridCol>
                 <a:gridCol w="1832794">
                   <a:extLst>
                     <a:ext uri="{9D8B030D-6E8A-4147-A177-3AD203B41FA5}">
-                      <a16:colId xmlns="" xmlns:a16="http://schemas.microsoft.com/office/drawing/2014/main" val="20002"/>
+                      <a16:colId xmlns:a16="http://schemas.microsoft.com/office/drawing/2014/main" xmlns="" val="20002"/>
                     </a:ext>
                   </a:extLst>
                 </a:gridCol>
                 <a:gridCol w="1808029">
                   <a:extLst>
                     <a:ext uri="{9D8B030D-6E8A-4147-A177-3AD203B41FA5}">
-                      <a16:colId xmlns="" xmlns:a16="http://schemas.microsoft.com/office/drawing/2014/main" val="20003"/>
+                      <a16:colId xmlns:a16="http://schemas.microsoft.com/office/drawing/2014/main" xmlns="" val="20003"/>
                     </a:ext>
                   </a:extLst>
                 </a:gridCol>
@@ -6481,7 +6481,7 @@
                 </a:tc>
                 <a:extLst>
                   <a:ext uri="{0D108BD9-81ED-4DB2-BD59-A6C34878D82A}">
-                    <a16:rowId xmlns="" xmlns:a16="http://schemas.microsoft.com/office/drawing/2014/main" val="10000"/>
+                    <a16:rowId xmlns:a16="http://schemas.microsoft.com/office/drawing/2014/main" xmlns="" val="10000"/>
                   </a:ext>
                 </a:extLst>
               </a:tr>
@@ -6517,28 +6517,28 @@
                 <a:gridCol w="1614943">
                   <a:extLst>
                     <a:ext uri="{9D8B030D-6E8A-4147-A177-3AD203B41FA5}">
-                      <a16:colId xmlns="" xmlns:a16="http://schemas.microsoft.com/office/drawing/2014/main" val="20000"/>
+                      <a16:colId xmlns:a16="http://schemas.microsoft.com/office/drawing/2014/main" xmlns="" val="20000"/>
                     </a:ext>
                   </a:extLst>
                 </a:gridCol>
                 <a:gridCol w="1535385">
                   <a:extLst>
                     <a:ext uri="{9D8B030D-6E8A-4147-A177-3AD203B41FA5}">
-                      <a16:colId xmlns="" xmlns:a16="http://schemas.microsoft.com/office/drawing/2014/main" val="20001"/>
+                      <a16:colId xmlns:a16="http://schemas.microsoft.com/office/drawing/2014/main" xmlns="" val="20001"/>
                     </a:ext>
                   </a:extLst>
                 </a:gridCol>
                 <a:gridCol w="2055874">
                   <a:extLst>
                     <a:ext uri="{9D8B030D-6E8A-4147-A177-3AD203B41FA5}">
-                      <a16:colId xmlns="" xmlns:a16="http://schemas.microsoft.com/office/drawing/2014/main" val="20002"/>
+                      <a16:colId xmlns:a16="http://schemas.microsoft.com/office/drawing/2014/main" xmlns="" val="20002"/>
                     </a:ext>
                   </a:extLst>
                 </a:gridCol>
                 <a:gridCol w="1125621">
                   <a:extLst>
                     <a:ext uri="{9D8B030D-6E8A-4147-A177-3AD203B41FA5}">
-                      <a16:colId xmlns="" xmlns:a16="http://schemas.microsoft.com/office/drawing/2014/main" val="20003"/>
+                      <a16:colId xmlns:a16="http://schemas.microsoft.com/office/drawing/2014/main" xmlns="" val="20003"/>
                     </a:ext>
                   </a:extLst>
                 </a:gridCol>
@@ -6615,7 +6615,7 @@
                 </a:tc>
                 <a:extLst>
                   <a:ext uri="{0D108BD9-81ED-4DB2-BD59-A6C34878D82A}">
-                    <a16:rowId xmlns="" xmlns:a16="http://schemas.microsoft.com/office/drawing/2014/main" val="10000"/>
+                    <a16:rowId xmlns:a16="http://schemas.microsoft.com/office/drawing/2014/main" xmlns="" val="10000"/>
                   </a:ext>
                 </a:extLst>
               </a:tr>
@@ -6722,28 +6722,28 @@
                 <a:gridCol w="2496581">
                   <a:extLst>
                     <a:ext uri="{9D8B030D-6E8A-4147-A177-3AD203B41FA5}">
-                      <a16:colId xmlns="" xmlns:a16="http://schemas.microsoft.com/office/drawing/2014/main" val="20000"/>
+                      <a16:colId xmlns:a16="http://schemas.microsoft.com/office/drawing/2014/main" xmlns="" val="20000"/>
                     </a:ext>
                   </a:extLst>
                 </a:gridCol>
                 <a:gridCol w="3161150">
                   <a:extLst>
                     <a:ext uri="{9D8B030D-6E8A-4147-A177-3AD203B41FA5}">
-                      <a16:colId xmlns="" xmlns:a16="http://schemas.microsoft.com/office/drawing/2014/main" val="20001"/>
+                      <a16:colId xmlns:a16="http://schemas.microsoft.com/office/drawing/2014/main" xmlns="" val="20001"/>
                     </a:ext>
                   </a:extLst>
                 </a:gridCol>
                 <a:gridCol w="1900751">
                   <a:extLst>
                     <a:ext uri="{9D8B030D-6E8A-4147-A177-3AD203B41FA5}">
-                      <a16:colId xmlns="" xmlns:a16="http://schemas.microsoft.com/office/drawing/2014/main" val="20002"/>
+                      <a16:colId xmlns:a16="http://schemas.microsoft.com/office/drawing/2014/main" xmlns="" val="20002"/>
                     </a:ext>
                   </a:extLst>
                 </a:gridCol>
                 <a:gridCol w="2281805">
                   <a:extLst>
                     <a:ext uri="{9D8B030D-6E8A-4147-A177-3AD203B41FA5}">
-                      <a16:colId xmlns="" xmlns:a16="http://schemas.microsoft.com/office/drawing/2014/main" val="20003"/>
+                      <a16:colId xmlns:a16="http://schemas.microsoft.com/office/drawing/2014/main" xmlns="" val="20003"/>
                     </a:ext>
                   </a:extLst>
                 </a:gridCol>
@@ -6811,7 +6811,7 @@
                 </a:tc>
                 <a:extLst>
                   <a:ext uri="{0D108BD9-81ED-4DB2-BD59-A6C34878D82A}">
-                    <a16:rowId xmlns="" xmlns:a16="http://schemas.microsoft.com/office/drawing/2014/main" val="10000"/>
+                    <a16:rowId xmlns:a16="http://schemas.microsoft.com/office/drawing/2014/main" xmlns="" val="10000"/>
                   </a:ext>
                 </a:extLst>
               </a:tr>
@@ -6973,7 +6973,7 @@
                 </a:tc>
                 <a:extLst>
                   <a:ext uri="{0D108BD9-81ED-4DB2-BD59-A6C34878D82A}">
-                    <a16:rowId xmlns="" xmlns:a16="http://schemas.microsoft.com/office/drawing/2014/main" val="10001"/>
+                    <a16:rowId xmlns:a16="http://schemas.microsoft.com/office/drawing/2014/main" xmlns="" val="10001"/>
                   </a:ext>
                 </a:extLst>
               </a:tr>
@@ -7147,7 +7147,7 @@
                 </a:tc>
                 <a:extLst>
                   <a:ext uri="{0D108BD9-81ED-4DB2-BD59-A6C34878D82A}">
-                    <a16:rowId xmlns="" xmlns:a16="http://schemas.microsoft.com/office/drawing/2014/main" val="10002"/>
+                    <a16:rowId xmlns:a16="http://schemas.microsoft.com/office/drawing/2014/main" xmlns="" val="10002"/>
                   </a:ext>
                 </a:extLst>
               </a:tr>
@@ -7183,21 +7183,21 @@
                 <a:gridCol w="2449119">
                   <a:extLst>
                     <a:ext uri="{9D8B030D-6E8A-4147-A177-3AD203B41FA5}">
-                      <a16:colId xmlns="" xmlns:a16="http://schemas.microsoft.com/office/drawing/2014/main" val="20000"/>
+                      <a16:colId xmlns:a16="http://schemas.microsoft.com/office/drawing/2014/main" xmlns="" val="20000"/>
                     </a:ext>
                   </a:extLst>
                 </a:gridCol>
                 <a:gridCol w="2449119">
                   <a:extLst>
                     <a:ext uri="{9D8B030D-6E8A-4147-A177-3AD203B41FA5}">
-                      <a16:colId xmlns="" xmlns:a16="http://schemas.microsoft.com/office/drawing/2014/main" val="20001"/>
+                      <a16:colId xmlns:a16="http://schemas.microsoft.com/office/drawing/2014/main" xmlns="" val="20001"/>
                     </a:ext>
                   </a:extLst>
                 </a:gridCol>
                 <a:gridCol w="2449119">
                   <a:extLst>
                     <a:ext uri="{9D8B030D-6E8A-4147-A177-3AD203B41FA5}">
-                      <a16:colId xmlns="" xmlns:a16="http://schemas.microsoft.com/office/drawing/2014/main" val="20002"/>
+                      <a16:colId xmlns:a16="http://schemas.microsoft.com/office/drawing/2014/main" xmlns="" val="20002"/>
                     </a:ext>
                   </a:extLst>
                 </a:gridCol>
@@ -7252,7 +7252,7 @@
                 </a:tc>
                 <a:extLst>
                   <a:ext uri="{0D108BD9-81ED-4DB2-BD59-A6C34878D82A}">
-                    <a16:rowId xmlns="" xmlns:a16="http://schemas.microsoft.com/office/drawing/2014/main" val="10000"/>
+                    <a16:rowId xmlns:a16="http://schemas.microsoft.com/office/drawing/2014/main" xmlns="" val="10000"/>
                   </a:ext>
                 </a:extLst>
               </a:tr>
@@ -7288,21 +7288,21 @@
                 <a:gridCol w="2449119">
                   <a:extLst>
                     <a:ext uri="{9D8B030D-6E8A-4147-A177-3AD203B41FA5}">
-                      <a16:colId xmlns="" xmlns:a16="http://schemas.microsoft.com/office/drawing/2014/main" val="20000"/>
+                      <a16:colId xmlns:a16="http://schemas.microsoft.com/office/drawing/2014/main" xmlns="" val="20000"/>
                     </a:ext>
                   </a:extLst>
                 </a:gridCol>
                 <a:gridCol w="2449119">
                   <a:extLst>
                     <a:ext uri="{9D8B030D-6E8A-4147-A177-3AD203B41FA5}">
-                      <a16:colId xmlns="" xmlns:a16="http://schemas.microsoft.com/office/drawing/2014/main" val="20001"/>
+                      <a16:colId xmlns:a16="http://schemas.microsoft.com/office/drawing/2014/main" xmlns="" val="20001"/>
                     </a:ext>
                   </a:extLst>
                 </a:gridCol>
                 <a:gridCol w="2449119">
                   <a:extLst>
                     <a:ext uri="{9D8B030D-6E8A-4147-A177-3AD203B41FA5}">
-                      <a16:colId xmlns="" xmlns:a16="http://schemas.microsoft.com/office/drawing/2014/main" val="20002"/>
+                      <a16:colId xmlns:a16="http://schemas.microsoft.com/office/drawing/2014/main" xmlns="" val="20002"/>
                     </a:ext>
                   </a:extLst>
                 </a:gridCol>
@@ -7389,7 +7389,7 @@
                 </a:tc>
                 <a:extLst>
                   <a:ext uri="{0D108BD9-81ED-4DB2-BD59-A6C34878D82A}">
-                    <a16:rowId xmlns="" xmlns:a16="http://schemas.microsoft.com/office/drawing/2014/main" val="10000"/>
+                    <a16:rowId xmlns:a16="http://schemas.microsoft.com/office/drawing/2014/main" xmlns="" val="10000"/>
                   </a:ext>
                 </a:extLst>
               </a:tr>
@@ -7565,14 +7565,14 @@
                 <a:gridCol w="1516445">
                   <a:extLst>
                     <a:ext uri="{9D8B030D-6E8A-4147-A177-3AD203B41FA5}">
-                      <a16:colId xmlns="" xmlns:a16="http://schemas.microsoft.com/office/drawing/2014/main" val="20000"/>
+                      <a16:colId xmlns:a16="http://schemas.microsoft.com/office/drawing/2014/main" xmlns="" val="20000"/>
                     </a:ext>
                   </a:extLst>
                 </a:gridCol>
                 <a:gridCol w="2820565">
                   <a:extLst>
                     <a:ext uri="{9D8B030D-6E8A-4147-A177-3AD203B41FA5}">
-                      <a16:colId xmlns="" xmlns:a16="http://schemas.microsoft.com/office/drawing/2014/main" val="20001"/>
+                      <a16:colId xmlns:a16="http://schemas.microsoft.com/office/drawing/2014/main" xmlns="" val="20001"/>
                     </a:ext>
                   </a:extLst>
                 </a:gridCol>
@@ -7638,7 +7638,7 @@
                 </a:tc>
                 <a:extLst>
                   <a:ext uri="{0D108BD9-81ED-4DB2-BD59-A6C34878D82A}">
-                    <a16:rowId xmlns="" xmlns:a16="http://schemas.microsoft.com/office/drawing/2014/main" val="10000"/>
+                    <a16:rowId xmlns:a16="http://schemas.microsoft.com/office/drawing/2014/main" xmlns="" val="10000"/>
                   </a:ext>
                 </a:extLst>
               </a:tr>
@@ -7722,7 +7722,7 @@
                 </a:tc>
                 <a:extLst>
                   <a:ext uri="{0D108BD9-81ED-4DB2-BD59-A6C34878D82A}">
-                    <a16:rowId xmlns="" xmlns:a16="http://schemas.microsoft.com/office/drawing/2014/main" val="10001"/>
+                    <a16:rowId xmlns:a16="http://schemas.microsoft.com/office/drawing/2014/main" xmlns="" val="10001"/>
                   </a:ext>
                 </a:extLst>
               </a:tr>
@@ -7787,7 +7787,7 @@
                 </a:tc>
                 <a:extLst>
                   <a:ext uri="{0D108BD9-81ED-4DB2-BD59-A6C34878D82A}">
-                    <a16:rowId xmlns="" xmlns:a16="http://schemas.microsoft.com/office/drawing/2014/main" val="10002"/>
+                    <a16:rowId xmlns:a16="http://schemas.microsoft.com/office/drawing/2014/main" xmlns="" val="10002"/>
                   </a:ext>
                 </a:extLst>
               </a:tr>
@@ -7852,7 +7852,7 @@
                 </a:tc>
                 <a:extLst>
                   <a:ext uri="{0D108BD9-81ED-4DB2-BD59-A6C34878D82A}">
-                    <a16:rowId xmlns="" xmlns:a16="http://schemas.microsoft.com/office/drawing/2014/main" val="10003"/>
+                    <a16:rowId xmlns:a16="http://schemas.microsoft.com/office/drawing/2014/main" xmlns="" val="10003"/>
                   </a:ext>
                 </a:extLst>
               </a:tr>
@@ -7917,7 +7917,7 @@
                 </a:tc>
                 <a:extLst>
                   <a:ext uri="{0D108BD9-81ED-4DB2-BD59-A6C34878D82A}">
-                    <a16:rowId xmlns="" xmlns:a16="http://schemas.microsoft.com/office/drawing/2014/main" val="10004"/>
+                    <a16:rowId xmlns:a16="http://schemas.microsoft.com/office/drawing/2014/main" xmlns="" val="10004"/>
                   </a:ext>
                 </a:extLst>
               </a:tr>
@@ -7953,14 +7953,14 @@
                 <a:gridCol w="1645473">
                   <a:extLst>
                     <a:ext uri="{9D8B030D-6E8A-4147-A177-3AD203B41FA5}">
-                      <a16:colId xmlns="" xmlns:a16="http://schemas.microsoft.com/office/drawing/2014/main" val="20000"/>
+                      <a16:colId xmlns:a16="http://schemas.microsoft.com/office/drawing/2014/main" xmlns="" val="20000"/>
                     </a:ext>
                   </a:extLst>
                 </a:gridCol>
                 <a:gridCol w="2691537">
                   <a:extLst>
                     <a:ext uri="{9D8B030D-6E8A-4147-A177-3AD203B41FA5}">
-                      <a16:colId xmlns="" xmlns:a16="http://schemas.microsoft.com/office/drawing/2014/main" val="20001"/>
+                      <a16:colId xmlns:a16="http://schemas.microsoft.com/office/drawing/2014/main" xmlns="" val="20001"/>
                     </a:ext>
                   </a:extLst>
                 </a:gridCol>
@@ -8026,7 +8026,7 @@
                 </a:tc>
                 <a:extLst>
                   <a:ext uri="{0D108BD9-81ED-4DB2-BD59-A6C34878D82A}">
-                    <a16:rowId xmlns="" xmlns:a16="http://schemas.microsoft.com/office/drawing/2014/main" val="10000"/>
+                    <a16:rowId xmlns:a16="http://schemas.microsoft.com/office/drawing/2014/main" xmlns="" val="10000"/>
                   </a:ext>
                 </a:extLst>
               </a:tr>
@@ -8091,7 +8091,7 @@
                 </a:tc>
                 <a:extLst>
                   <a:ext uri="{0D108BD9-81ED-4DB2-BD59-A6C34878D82A}">
-                    <a16:rowId xmlns="" xmlns:a16="http://schemas.microsoft.com/office/drawing/2014/main" val="10001"/>
+                    <a16:rowId xmlns:a16="http://schemas.microsoft.com/office/drawing/2014/main" xmlns="" val="10001"/>
                   </a:ext>
                 </a:extLst>
               </a:tr>
@@ -8156,7 +8156,7 @@
                 </a:tc>
                 <a:extLst>
                   <a:ext uri="{0D108BD9-81ED-4DB2-BD59-A6C34878D82A}">
-                    <a16:rowId xmlns="" xmlns:a16="http://schemas.microsoft.com/office/drawing/2014/main" val="10002"/>
+                    <a16:rowId xmlns:a16="http://schemas.microsoft.com/office/drawing/2014/main" xmlns="" val="10002"/>
                   </a:ext>
                 </a:extLst>
               </a:tr>
@@ -8221,7 +8221,7 @@
                 </a:tc>
                 <a:extLst>
                   <a:ext uri="{0D108BD9-81ED-4DB2-BD59-A6C34878D82A}">
-                    <a16:rowId xmlns="" xmlns:a16="http://schemas.microsoft.com/office/drawing/2014/main" val="10003"/>
+                    <a16:rowId xmlns:a16="http://schemas.microsoft.com/office/drawing/2014/main" xmlns="" val="10003"/>
                   </a:ext>
                 </a:extLst>
               </a:tr>
@@ -8286,7 +8286,7 @@
                 </a:tc>
                 <a:extLst>
                   <a:ext uri="{0D108BD9-81ED-4DB2-BD59-A6C34878D82A}">
-                    <a16:rowId xmlns="" xmlns:a16="http://schemas.microsoft.com/office/drawing/2014/main" val="10004"/>
+                    <a16:rowId xmlns:a16="http://schemas.microsoft.com/office/drawing/2014/main" xmlns="" val="10004"/>
                   </a:ext>
                 </a:extLst>
               </a:tr>
@@ -8322,14 +8322,14 @@
                 <a:gridCol w="1645473">
                   <a:extLst>
                     <a:ext uri="{9D8B030D-6E8A-4147-A177-3AD203B41FA5}">
-                      <a16:colId xmlns="" xmlns:a16="http://schemas.microsoft.com/office/drawing/2014/main" val="20000"/>
+                      <a16:colId xmlns:a16="http://schemas.microsoft.com/office/drawing/2014/main" xmlns="" val="20000"/>
                     </a:ext>
                   </a:extLst>
                 </a:gridCol>
                 <a:gridCol w="2691537">
                   <a:extLst>
                     <a:ext uri="{9D8B030D-6E8A-4147-A177-3AD203B41FA5}">
-                      <a16:colId xmlns="" xmlns:a16="http://schemas.microsoft.com/office/drawing/2014/main" val="20001"/>
+                      <a16:colId xmlns:a16="http://schemas.microsoft.com/office/drawing/2014/main" xmlns="" val="20001"/>
                     </a:ext>
                   </a:extLst>
                 </a:gridCol>
@@ -8395,7 +8395,7 @@
                 </a:tc>
                 <a:extLst>
                   <a:ext uri="{0D108BD9-81ED-4DB2-BD59-A6C34878D82A}">
-                    <a16:rowId xmlns="" xmlns:a16="http://schemas.microsoft.com/office/drawing/2014/main" val="10000"/>
+                    <a16:rowId xmlns:a16="http://schemas.microsoft.com/office/drawing/2014/main" xmlns="" val="10000"/>
                   </a:ext>
                 </a:extLst>
               </a:tr>
@@ -8460,7 +8460,7 @@
                 </a:tc>
                 <a:extLst>
                   <a:ext uri="{0D108BD9-81ED-4DB2-BD59-A6C34878D82A}">
-                    <a16:rowId xmlns="" xmlns:a16="http://schemas.microsoft.com/office/drawing/2014/main" val="10001"/>
+                    <a16:rowId xmlns:a16="http://schemas.microsoft.com/office/drawing/2014/main" xmlns="" val="10001"/>
                   </a:ext>
                 </a:extLst>
               </a:tr>
@@ -8525,7 +8525,7 @@
                 </a:tc>
                 <a:extLst>
                   <a:ext uri="{0D108BD9-81ED-4DB2-BD59-A6C34878D82A}">
-                    <a16:rowId xmlns="" xmlns:a16="http://schemas.microsoft.com/office/drawing/2014/main" val="10002"/>
+                    <a16:rowId xmlns:a16="http://schemas.microsoft.com/office/drawing/2014/main" xmlns="" val="10002"/>
                   </a:ext>
                 </a:extLst>
               </a:tr>
@@ -8590,7 +8590,7 @@
                 </a:tc>
                 <a:extLst>
                   <a:ext uri="{0D108BD9-81ED-4DB2-BD59-A6C34878D82A}">
-                    <a16:rowId xmlns="" xmlns:a16="http://schemas.microsoft.com/office/drawing/2014/main" val="10003"/>
+                    <a16:rowId xmlns:a16="http://schemas.microsoft.com/office/drawing/2014/main" xmlns="" val="10003"/>
                   </a:ext>
                 </a:extLst>
               </a:tr>
@@ -8655,7 +8655,7 @@
                 </a:tc>
                 <a:extLst>
                   <a:ext uri="{0D108BD9-81ED-4DB2-BD59-A6C34878D82A}">
-                    <a16:rowId xmlns="" xmlns:a16="http://schemas.microsoft.com/office/drawing/2014/main" val="10004"/>
+                    <a16:rowId xmlns:a16="http://schemas.microsoft.com/office/drawing/2014/main" xmlns="" val="10004"/>
                   </a:ext>
                 </a:extLst>
               </a:tr>
@@ -8691,14 +8691,14 @@
                 <a:gridCol w="1645473">
                   <a:extLst>
                     <a:ext uri="{9D8B030D-6E8A-4147-A177-3AD203B41FA5}">
-                      <a16:colId xmlns="" xmlns:a16="http://schemas.microsoft.com/office/drawing/2014/main" val="20000"/>
+                      <a16:colId xmlns:a16="http://schemas.microsoft.com/office/drawing/2014/main" xmlns="" val="20000"/>
                     </a:ext>
                   </a:extLst>
                 </a:gridCol>
                 <a:gridCol w="2691537">
                   <a:extLst>
                     <a:ext uri="{9D8B030D-6E8A-4147-A177-3AD203B41FA5}">
-                      <a16:colId xmlns="" xmlns:a16="http://schemas.microsoft.com/office/drawing/2014/main" val="20001"/>
+                      <a16:colId xmlns:a16="http://schemas.microsoft.com/office/drawing/2014/main" xmlns="" val="20001"/>
                     </a:ext>
                   </a:extLst>
                 </a:gridCol>
@@ -8764,7 +8764,7 @@
                 </a:tc>
                 <a:extLst>
                   <a:ext uri="{0D108BD9-81ED-4DB2-BD59-A6C34878D82A}">
-                    <a16:rowId xmlns="" xmlns:a16="http://schemas.microsoft.com/office/drawing/2014/main" val="10000"/>
+                    <a16:rowId xmlns:a16="http://schemas.microsoft.com/office/drawing/2014/main" xmlns="" val="10000"/>
                   </a:ext>
                 </a:extLst>
               </a:tr>
@@ -8841,7 +8841,7 @@
                 </a:tc>
                 <a:extLst>
                   <a:ext uri="{0D108BD9-81ED-4DB2-BD59-A6C34878D82A}">
-                    <a16:rowId xmlns="" xmlns:a16="http://schemas.microsoft.com/office/drawing/2014/main" val="10001"/>
+                    <a16:rowId xmlns:a16="http://schemas.microsoft.com/office/drawing/2014/main" xmlns="" val="10001"/>
                   </a:ext>
                 </a:extLst>
               </a:tr>
@@ -8906,7 +8906,7 @@
                 </a:tc>
                 <a:extLst>
                   <a:ext uri="{0D108BD9-81ED-4DB2-BD59-A6C34878D82A}">
-                    <a16:rowId xmlns="" xmlns:a16="http://schemas.microsoft.com/office/drawing/2014/main" val="10002"/>
+                    <a16:rowId xmlns:a16="http://schemas.microsoft.com/office/drawing/2014/main" xmlns="" val="10002"/>
                   </a:ext>
                 </a:extLst>
               </a:tr>
@@ -8977,7 +8977,7 @@
                 </a:tc>
                 <a:extLst>
                   <a:ext uri="{0D108BD9-81ED-4DB2-BD59-A6C34878D82A}">
-                    <a16:rowId xmlns="" xmlns:a16="http://schemas.microsoft.com/office/drawing/2014/main" val="10003"/>
+                    <a16:rowId xmlns:a16="http://schemas.microsoft.com/office/drawing/2014/main" xmlns="" val="10003"/>
                   </a:ext>
                 </a:extLst>
               </a:tr>
@@ -9042,7 +9042,7 @@
                 </a:tc>
                 <a:extLst>
                   <a:ext uri="{0D108BD9-81ED-4DB2-BD59-A6C34878D82A}">
-                    <a16:rowId xmlns="" xmlns:a16="http://schemas.microsoft.com/office/drawing/2014/main" val="10004"/>
+                    <a16:rowId xmlns:a16="http://schemas.microsoft.com/office/drawing/2014/main" xmlns="" val="10004"/>
                   </a:ext>
                 </a:extLst>
               </a:tr>
@@ -9115,14 +9115,14 @@
                 <a:gridCol w="1645473">
                   <a:extLst>
                     <a:ext uri="{9D8B030D-6E8A-4147-A177-3AD203B41FA5}">
-                      <a16:colId xmlns="" xmlns:a16="http://schemas.microsoft.com/office/drawing/2014/main" val="20000"/>
+                      <a16:colId xmlns:a16="http://schemas.microsoft.com/office/drawing/2014/main" xmlns="" val="20000"/>
                     </a:ext>
                   </a:extLst>
                 </a:gridCol>
                 <a:gridCol w="2691537">
                   <a:extLst>
                     <a:ext uri="{9D8B030D-6E8A-4147-A177-3AD203B41FA5}">
-                      <a16:colId xmlns="" xmlns:a16="http://schemas.microsoft.com/office/drawing/2014/main" val="20001"/>
+                      <a16:colId xmlns:a16="http://schemas.microsoft.com/office/drawing/2014/main" xmlns="" val="20001"/>
                     </a:ext>
                   </a:extLst>
                 </a:gridCol>
@@ -9188,7 +9188,7 @@
                 </a:tc>
                 <a:extLst>
                   <a:ext uri="{0D108BD9-81ED-4DB2-BD59-A6C34878D82A}">
-                    <a16:rowId xmlns="" xmlns:a16="http://schemas.microsoft.com/office/drawing/2014/main" val="10000"/>
+                    <a16:rowId xmlns:a16="http://schemas.microsoft.com/office/drawing/2014/main" xmlns="" val="10000"/>
                   </a:ext>
                 </a:extLst>
               </a:tr>
@@ -9262,7 +9262,7 @@
                 </a:tc>
                 <a:extLst>
                   <a:ext uri="{0D108BD9-81ED-4DB2-BD59-A6C34878D82A}">
-                    <a16:rowId xmlns="" xmlns:a16="http://schemas.microsoft.com/office/drawing/2014/main" val="10001"/>
+                    <a16:rowId xmlns:a16="http://schemas.microsoft.com/office/drawing/2014/main" xmlns="" val="10001"/>
                   </a:ext>
                 </a:extLst>
               </a:tr>
@@ -9333,7 +9333,7 @@
                 </a:tc>
                 <a:extLst>
                   <a:ext uri="{0D108BD9-81ED-4DB2-BD59-A6C34878D82A}">
-                    <a16:rowId xmlns="" xmlns:a16="http://schemas.microsoft.com/office/drawing/2014/main" val="10002"/>
+                    <a16:rowId xmlns:a16="http://schemas.microsoft.com/office/drawing/2014/main" xmlns="" val="10002"/>
                   </a:ext>
                 </a:extLst>
               </a:tr>
@@ -9404,7 +9404,7 @@
                 </a:tc>
                 <a:extLst>
                   <a:ext uri="{0D108BD9-81ED-4DB2-BD59-A6C34878D82A}">
-                    <a16:rowId xmlns="" xmlns:a16="http://schemas.microsoft.com/office/drawing/2014/main" val="10003"/>
+                    <a16:rowId xmlns:a16="http://schemas.microsoft.com/office/drawing/2014/main" xmlns="" val="10003"/>
                   </a:ext>
                 </a:extLst>
               </a:tr>
@@ -9469,7 +9469,7 @@
                 </a:tc>
                 <a:extLst>
                   <a:ext uri="{0D108BD9-81ED-4DB2-BD59-A6C34878D82A}">
-                    <a16:rowId xmlns="" xmlns:a16="http://schemas.microsoft.com/office/drawing/2014/main" val="10004"/>
+                    <a16:rowId xmlns:a16="http://schemas.microsoft.com/office/drawing/2014/main" xmlns="" val="10004"/>
                   </a:ext>
                 </a:extLst>
               </a:tr>
@@ -9505,14 +9505,14 @@
                 <a:gridCol w="1645473">
                   <a:extLst>
                     <a:ext uri="{9D8B030D-6E8A-4147-A177-3AD203B41FA5}">
-                      <a16:colId xmlns="" xmlns:a16="http://schemas.microsoft.com/office/drawing/2014/main" val="20000"/>
+                      <a16:colId xmlns:a16="http://schemas.microsoft.com/office/drawing/2014/main" xmlns="" val="20000"/>
                     </a:ext>
                   </a:extLst>
                 </a:gridCol>
                 <a:gridCol w="2691537">
                   <a:extLst>
                     <a:ext uri="{9D8B030D-6E8A-4147-A177-3AD203B41FA5}">
-                      <a16:colId xmlns="" xmlns:a16="http://schemas.microsoft.com/office/drawing/2014/main" val="20001"/>
+                      <a16:colId xmlns:a16="http://schemas.microsoft.com/office/drawing/2014/main" xmlns="" val="20001"/>
                     </a:ext>
                   </a:extLst>
                 </a:gridCol>
@@ -9578,7 +9578,7 @@
                 </a:tc>
                 <a:extLst>
                   <a:ext uri="{0D108BD9-81ED-4DB2-BD59-A6C34878D82A}">
-                    <a16:rowId xmlns="" xmlns:a16="http://schemas.microsoft.com/office/drawing/2014/main" val="10000"/>
+                    <a16:rowId xmlns:a16="http://schemas.microsoft.com/office/drawing/2014/main" xmlns="" val="10000"/>
                   </a:ext>
                 </a:extLst>
               </a:tr>
@@ -9643,7 +9643,7 @@
                 </a:tc>
                 <a:extLst>
                   <a:ext uri="{0D108BD9-81ED-4DB2-BD59-A6C34878D82A}">
-                    <a16:rowId xmlns="" xmlns:a16="http://schemas.microsoft.com/office/drawing/2014/main" val="10001"/>
+                    <a16:rowId xmlns:a16="http://schemas.microsoft.com/office/drawing/2014/main" xmlns="" val="10001"/>
                   </a:ext>
                 </a:extLst>
               </a:tr>
@@ -9708,7 +9708,7 @@
                 </a:tc>
                 <a:extLst>
                   <a:ext uri="{0D108BD9-81ED-4DB2-BD59-A6C34878D82A}">
-                    <a16:rowId xmlns="" xmlns:a16="http://schemas.microsoft.com/office/drawing/2014/main" val="10002"/>
+                    <a16:rowId xmlns:a16="http://schemas.microsoft.com/office/drawing/2014/main" xmlns="" val="10002"/>
                   </a:ext>
                 </a:extLst>
               </a:tr>
@@ -9785,7 +9785,7 @@
                 </a:tc>
                 <a:extLst>
                   <a:ext uri="{0D108BD9-81ED-4DB2-BD59-A6C34878D82A}">
-                    <a16:rowId xmlns="" xmlns:a16="http://schemas.microsoft.com/office/drawing/2014/main" val="10003"/>
+                    <a16:rowId xmlns:a16="http://schemas.microsoft.com/office/drawing/2014/main" xmlns="" val="10003"/>
                   </a:ext>
                 </a:extLst>
               </a:tr>
@@ -9850,7 +9850,7 @@
                 </a:tc>
                 <a:extLst>
                   <a:ext uri="{0D108BD9-81ED-4DB2-BD59-A6C34878D82A}">
-                    <a16:rowId xmlns="" xmlns:a16="http://schemas.microsoft.com/office/drawing/2014/main" val="10004"/>
+                    <a16:rowId xmlns:a16="http://schemas.microsoft.com/office/drawing/2014/main" xmlns="" val="10004"/>
                   </a:ext>
                 </a:extLst>
               </a:tr>
@@ -9886,14 +9886,14 @@
                 <a:gridCol w="1645473">
                   <a:extLst>
                     <a:ext uri="{9D8B030D-6E8A-4147-A177-3AD203B41FA5}">
-                      <a16:colId xmlns="" xmlns:a16="http://schemas.microsoft.com/office/drawing/2014/main" val="20000"/>
+                      <a16:colId xmlns:a16="http://schemas.microsoft.com/office/drawing/2014/main" xmlns="" val="20000"/>
                     </a:ext>
                   </a:extLst>
                 </a:gridCol>
                 <a:gridCol w="2691537">
                   <a:extLst>
                     <a:ext uri="{9D8B030D-6E8A-4147-A177-3AD203B41FA5}">
-                      <a16:colId xmlns="" xmlns:a16="http://schemas.microsoft.com/office/drawing/2014/main" val="20001"/>
+                      <a16:colId xmlns:a16="http://schemas.microsoft.com/office/drawing/2014/main" xmlns="" val="20001"/>
                     </a:ext>
                   </a:extLst>
                 </a:gridCol>
@@ -9959,7 +9959,7 @@
                 </a:tc>
                 <a:extLst>
                   <a:ext uri="{0D108BD9-81ED-4DB2-BD59-A6C34878D82A}">
-                    <a16:rowId xmlns="" xmlns:a16="http://schemas.microsoft.com/office/drawing/2014/main" val="10000"/>
+                    <a16:rowId xmlns:a16="http://schemas.microsoft.com/office/drawing/2014/main" xmlns="" val="10000"/>
                   </a:ext>
                 </a:extLst>
               </a:tr>
@@ -10024,7 +10024,7 @@
                 </a:tc>
                 <a:extLst>
                   <a:ext uri="{0D108BD9-81ED-4DB2-BD59-A6C34878D82A}">
-                    <a16:rowId xmlns="" xmlns:a16="http://schemas.microsoft.com/office/drawing/2014/main" val="10001"/>
+                    <a16:rowId xmlns:a16="http://schemas.microsoft.com/office/drawing/2014/main" xmlns="" val="10001"/>
                   </a:ext>
                 </a:extLst>
               </a:tr>
@@ -10095,7 +10095,7 @@
                 </a:tc>
                 <a:extLst>
                   <a:ext uri="{0D108BD9-81ED-4DB2-BD59-A6C34878D82A}">
-                    <a16:rowId xmlns="" xmlns:a16="http://schemas.microsoft.com/office/drawing/2014/main" val="10002"/>
+                    <a16:rowId xmlns:a16="http://schemas.microsoft.com/office/drawing/2014/main" xmlns="" val="10002"/>
                   </a:ext>
                 </a:extLst>
               </a:tr>
@@ -10172,7 +10172,7 @@
                 </a:tc>
                 <a:extLst>
                   <a:ext uri="{0D108BD9-81ED-4DB2-BD59-A6C34878D82A}">
-                    <a16:rowId xmlns="" xmlns:a16="http://schemas.microsoft.com/office/drawing/2014/main" val="10003"/>
+                    <a16:rowId xmlns:a16="http://schemas.microsoft.com/office/drawing/2014/main" xmlns="" val="10003"/>
                   </a:ext>
                 </a:extLst>
               </a:tr>
@@ -10237,7 +10237,7 @@
                 </a:tc>
                 <a:extLst>
                   <a:ext uri="{0D108BD9-81ED-4DB2-BD59-A6C34878D82A}">
-                    <a16:rowId xmlns="" xmlns:a16="http://schemas.microsoft.com/office/drawing/2014/main" val="10004"/>
+                    <a16:rowId xmlns:a16="http://schemas.microsoft.com/office/drawing/2014/main" xmlns="" val="10004"/>
                   </a:ext>
                 </a:extLst>
               </a:tr>
@@ -10413,14 +10413,14 @@
                 <a:gridCol w="2068965">
                   <a:extLst>
                     <a:ext uri="{9D8B030D-6E8A-4147-A177-3AD203B41FA5}">
-                      <a16:colId xmlns="" xmlns:a16="http://schemas.microsoft.com/office/drawing/2014/main" val="20000"/>
+                      <a16:colId xmlns:a16="http://schemas.microsoft.com/office/drawing/2014/main" xmlns="" val="20000"/>
                     </a:ext>
                   </a:extLst>
                 </a:gridCol>
                 <a:gridCol w="2950711">
                   <a:extLst>
                     <a:ext uri="{9D8B030D-6E8A-4147-A177-3AD203B41FA5}">
-                      <a16:colId xmlns="" xmlns:a16="http://schemas.microsoft.com/office/drawing/2014/main" val="20001"/>
+                      <a16:colId xmlns:a16="http://schemas.microsoft.com/office/drawing/2014/main" xmlns="" val="20001"/>
                     </a:ext>
                   </a:extLst>
                 </a:gridCol>
@@ -10486,7 +10486,7 @@
                 </a:tc>
                 <a:extLst>
                   <a:ext uri="{0D108BD9-81ED-4DB2-BD59-A6C34878D82A}">
-                    <a16:rowId xmlns="" xmlns:a16="http://schemas.microsoft.com/office/drawing/2014/main" val="10000"/>
+                    <a16:rowId xmlns:a16="http://schemas.microsoft.com/office/drawing/2014/main" xmlns="" val="10000"/>
                   </a:ext>
                 </a:extLst>
               </a:tr>
@@ -10551,7 +10551,7 @@
                 </a:tc>
                 <a:extLst>
                   <a:ext uri="{0D108BD9-81ED-4DB2-BD59-A6C34878D82A}">
-                    <a16:rowId xmlns="" xmlns:a16="http://schemas.microsoft.com/office/drawing/2014/main" val="10001"/>
+                    <a16:rowId xmlns:a16="http://schemas.microsoft.com/office/drawing/2014/main" xmlns="" val="10001"/>
                   </a:ext>
                 </a:extLst>
               </a:tr>
@@ -10616,7 +10616,7 @@
                 </a:tc>
                 <a:extLst>
                   <a:ext uri="{0D108BD9-81ED-4DB2-BD59-A6C34878D82A}">
-                    <a16:rowId xmlns="" xmlns:a16="http://schemas.microsoft.com/office/drawing/2014/main" val="10002"/>
+                    <a16:rowId xmlns:a16="http://schemas.microsoft.com/office/drawing/2014/main" xmlns="" val="10002"/>
                   </a:ext>
                 </a:extLst>
               </a:tr>
@@ -10693,7 +10693,7 @@
                 </a:tc>
                 <a:extLst>
                   <a:ext uri="{0D108BD9-81ED-4DB2-BD59-A6C34878D82A}">
-                    <a16:rowId xmlns="" xmlns:a16="http://schemas.microsoft.com/office/drawing/2014/main" val="10003"/>
+                    <a16:rowId xmlns:a16="http://schemas.microsoft.com/office/drawing/2014/main" xmlns="" val="10003"/>
                   </a:ext>
                 </a:extLst>
               </a:tr>
@@ -10758,7 +10758,7 @@
                 </a:tc>
                 <a:extLst>
                   <a:ext uri="{0D108BD9-81ED-4DB2-BD59-A6C34878D82A}">
-                    <a16:rowId xmlns="" xmlns:a16="http://schemas.microsoft.com/office/drawing/2014/main" val="10004"/>
+                    <a16:rowId xmlns:a16="http://schemas.microsoft.com/office/drawing/2014/main" xmlns="" val="10004"/>
                   </a:ext>
                 </a:extLst>
               </a:tr>
@@ -10794,14 +10794,14 @@
                 <a:gridCol w="1986521">
                   <a:extLst>
                     <a:ext uri="{9D8B030D-6E8A-4147-A177-3AD203B41FA5}">
-                      <a16:colId xmlns="" xmlns:a16="http://schemas.microsoft.com/office/drawing/2014/main" val="20000"/>
+                      <a16:colId xmlns:a16="http://schemas.microsoft.com/office/drawing/2014/main" xmlns="" val="20000"/>
                     </a:ext>
                   </a:extLst>
                 </a:gridCol>
                 <a:gridCol w="2833129">
                   <a:extLst>
                     <a:ext uri="{9D8B030D-6E8A-4147-A177-3AD203B41FA5}">
-                      <a16:colId xmlns="" xmlns:a16="http://schemas.microsoft.com/office/drawing/2014/main" val="20001"/>
+                      <a16:colId xmlns:a16="http://schemas.microsoft.com/office/drawing/2014/main" xmlns="" val="20001"/>
                     </a:ext>
                   </a:extLst>
                 </a:gridCol>
@@ -10867,7 +10867,7 @@
                 </a:tc>
                 <a:extLst>
                   <a:ext uri="{0D108BD9-81ED-4DB2-BD59-A6C34878D82A}">
-                    <a16:rowId xmlns="" xmlns:a16="http://schemas.microsoft.com/office/drawing/2014/main" val="10000"/>
+                    <a16:rowId xmlns:a16="http://schemas.microsoft.com/office/drawing/2014/main" xmlns="" val="10000"/>
                   </a:ext>
                 </a:extLst>
               </a:tr>
@@ -10932,7 +10932,7 @@
                 </a:tc>
                 <a:extLst>
                   <a:ext uri="{0D108BD9-81ED-4DB2-BD59-A6C34878D82A}">
-                    <a16:rowId xmlns="" xmlns:a16="http://schemas.microsoft.com/office/drawing/2014/main" val="10001"/>
+                    <a16:rowId xmlns:a16="http://schemas.microsoft.com/office/drawing/2014/main" xmlns="" val="10001"/>
                   </a:ext>
                 </a:extLst>
               </a:tr>
@@ -10997,7 +10997,7 @@
                 </a:tc>
                 <a:extLst>
                   <a:ext uri="{0D108BD9-81ED-4DB2-BD59-A6C34878D82A}">
-                    <a16:rowId xmlns="" xmlns:a16="http://schemas.microsoft.com/office/drawing/2014/main" val="10002"/>
+                    <a16:rowId xmlns:a16="http://schemas.microsoft.com/office/drawing/2014/main" xmlns="" val="10002"/>
                   </a:ext>
                 </a:extLst>
               </a:tr>
@@ -11062,7 +11062,7 @@
                 </a:tc>
                 <a:extLst>
                   <a:ext uri="{0D108BD9-81ED-4DB2-BD59-A6C34878D82A}">
-                    <a16:rowId xmlns="" xmlns:a16="http://schemas.microsoft.com/office/drawing/2014/main" val="10003"/>
+                    <a16:rowId xmlns:a16="http://schemas.microsoft.com/office/drawing/2014/main" xmlns="" val="10003"/>
                   </a:ext>
                 </a:extLst>
               </a:tr>
@@ -11133,7 +11133,7 @@
                 </a:tc>
                 <a:extLst>
                   <a:ext uri="{0D108BD9-81ED-4DB2-BD59-A6C34878D82A}">
-                    <a16:rowId xmlns="" xmlns:a16="http://schemas.microsoft.com/office/drawing/2014/main" val="10004"/>
+                    <a16:rowId xmlns:a16="http://schemas.microsoft.com/office/drawing/2014/main" xmlns="" val="10004"/>
                   </a:ext>
                 </a:extLst>
               </a:tr>
@@ -11169,14 +11169,14 @@
                 <a:gridCol w="2068965">
                   <a:extLst>
                     <a:ext uri="{9D8B030D-6E8A-4147-A177-3AD203B41FA5}">
-                      <a16:colId xmlns="" xmlns:a16="http://schemas.microsoft.com/office/drawing/2014/main" val="20000"/>
+                      <a16:colId xmlns:a16="http://schemas.microsoft.com/office/drawing/2014/main" xmlns="" val="20000"/>
                     </a:ext>
                   </a:extLst>
                 </a:gridCol>
                 <a:gridCol w="2950711">
                   <a:extLst>
                     <a:ext uri="{9D8B030D-6E8A-4147-A177-3AD203B41FA5}">
-                      <a16:colId xmlns="" xmlns:a16="http://schemas.microsoft.com/office/drawing/2014/main" val="20001"/>
+                      <a16:colId xmlns:a16="http://schemas.microsoft.com/office/drawing/2014/main" xmlns="" val="20001"/>
                     </a:ext>
                   </a:extLst>
                 </a:gridCol>
@@ -11242,7 +11242,7 @@
                 </a:tc>
                 <a:extLst>
                   <a:ext uri="{0D108BD9-81ED-4DB2-BD59-A6C34878D82A}">
-                    <a16:rowId xmlns="" xmlns:a16="http://schemas.microsoft.com/office/drawing/2014/main" val="10000"/>
+                    <a16:rowId xmlns:a16="http://schemas.microsoft.com/office/drawing/2014/main" xmlns="" val="10000"/>
                   </a:ext>
                 </a:extLst>
               </a:tr>
@@ -11307,7 +11307,7 @@
                 </a:tc>
                 <a:extLst>
                   <a:ext uri="{0D108BD9-81ED-4DB2-BD59-A6C34878D82A}">
-                    <a16:rowId xmlns="" xmlns:a16="http://schemas.microsoft.com/office/drawing/2014/main" val="10001"/>
+                    <a16:rowId xmlns:a16="http://schemas.microsoft.com/office/drawing/2014/main" xmlns="" val="10001"/>
                   </a:ext>
                 </a:extLst>
               </a:tr>
@@ -11372,7 +11372,7 @@
                 </a:tc>
                 <a:extLst>
                   <a:ext uri="{0D108BD9-81ED-4DB2-BD59-A6C34878D82A}">
-                    <a16:rowId xmlns="" xmlns:a16="http://schemas.microsoft.com/office/drawing/2014/main" val="10002"/>
+                    <a16:rowId xmlns:a16="http://schemas.microsoft.com/office/drawing/2014/main" xmlns="" val="10002"/>
                   </a:ext>
                 </a:extLst>
               </a:tr>
@@ -11437,7 +11437,7 @@
                 </a:tc>
                 <a:extLst>
                   <a:ext uri="{0D108BD9-81ED-4DB2-BD59-A6C34878D82A}">
-                    <a16:rowId xmlns="" xmlns:a16="http://schemas.microsoft.com/office/drawing/2014/main" val="10003"/>
+                    <a16:rowId xmlns:a16="http://schemas.microsoft.com/office/drawing/2014/main" xmlns="" val="10003"/>
                   </a:ext>
                 </a:extLst>
               </a:tr>
@@ -11502,7 +11502,7 @@
                 </a:tc>
                 <a:extLst>
                   <a:ext uri="{0D108BD9-81ED-4DB2-BD59-A6C34878D82A}">
-                    <a16:rowId xmlns="" xmlns:a16="http://schemas.microsoft.com/office/drawing/2014/main" val="10004"/>
+                    <a16:rowId xmlns:a16="http://schemas.microsoft.com/office/drawing/2014/main" xmlns="" val="10004"/>
                   </a:ext>
                 </a:extLst>
               </a:tr>
@@ -11538,14 +11538,14 @@
                 <a:gridCol w="1986520">
                   <a:extLst>
                     <a:ext uri="{9D8B030D-6E8A-4147-A177-3AD203B41FA5}">
-                      <a16:colId xmlns="" xmlns:a16="http://schemas.microsoft.com/office/drawing/2014/main" val="20000"/>
+                      <a16:colId xmlns:a16="http://schemas.microsoft.com/office/drawing/2014/main" xmlns="" val="20000"/>
                     </a:ext>
                   </a:extLst>
                 </a:gridCol>
                 <a:gridCol w="2833130">
                   <a:extLst>
                     <a:ext uri="{9D8B030D-6E8A-4147-A177-3AD203B41FA5}">
-                      <a16:colId xmlns="" xmlns:a16="http://schemas.microsoft.com/office/drawing/2014/main" val="20001"/>
+                      <a16:colId xmlns:a16="http://schemas.microsoft.com/office/drawing/2014/main" xmlns="" val="20001"/>
                     </a:ext>
                   </a:extLst>
                 </a:gridCol>
@@ -11611,7 +11611,7 @@
                 </a:tc>
                 <a:extLst>
                   <a:ext uri="{0D108BD9-81ED-4DB2-BD59-A6C34878D82A}">
-                    <a16:rowId xmlns="" xmlns:a16="http://schemas.microsoft.com/office/drawing/2014/main" val="10000"/>
+                    <a16:rowId xmlns:a16="http://schemas.microsoft.com/office/drawing/2014/main" xmlns="" val="10000"/>
                   </a:ext>
                 </a:extLst>
               </a:tr>
@@ -11676,7 +11676,7 @@
                 </a:tc>
                 <a:extLst>
                   <a:ext uri="{0D108BD9-81ED-4DB2-BD59-A6C34878D82A}">
-                    <a16:rowId xmlns="" xmlns:a16="http://schemas.microsoft.com/office/drawing/2014/main" val="10001"/>
+                    <a16:rowId xmlns:a16="http://schemas.microsoft.com/office/drawing/2014/main" xmlns="" val="10001"/>
                   </a:ext>
                 </a:extLst>
               </a:tr>
@@ -11750,7 +11750,7 @@
                 </a:tc>
                 <a:extLst>
                   <a:ext uri="{0D108BD9-81ED-4DB2-BD59-A6C34878D82A}">
-                    <a16:rowId xmlns="" xmlns:a16="http://schemas.microsoft.com/office/drawing/2014/main" val="10002"/>
+                    <a16:rowId xmlns:a16="http://schemas.microsoft.com/office/drawing/2014/main" xmlns="" val="10002"/>
                   </a:ext>
                 </a:extLst>
               </a:tr>
@@ -11821,7 +11821,7 @@
                 </a:tc>
                 <a:extLst>
                   <a:ext uri="{0D108BD9-81ED-4DB2-BD59-A6C34878D82A}">
-                    <a16:rowId xmlns="" xmlns:a16="http://schemas.microsoft.com/office/drawing/2014/main" val="10003"/>
+                    <a16:rowId xmlns:a16="http://schemas.microsoft.com/office/drawing/2014/main" xmlns="" val="10003"/>
                   </a:ext>
                 </a:extLst>
               </a:tr>
@@ -11886,7 +11886,7 @@
                 </a:tc>
                 <a:extLst>
                   <a:ext uri="{0D108BD9-81ED-4DB2-BD59-A6C34878D82A}">
-                    <a16:rowId xmlns="" xmlns:a16="http://schemas.microsoft.com/office/drawing/2014/main" val="10004"/>
+                    <a16:rowId xmlns:a16="http://schemas.microsoft.com/office/drawing/2014/main" xmlns="" val="10004"/>
                   </a:ext>
                 </a:extLst>
               </a:tr>
@@ -12324,14 +12324,14 @@
                 <a:gridCol w="2068965">
                   <a:extLst>
                     <a:ext uri="{9D8B030D-6E8A-4147-A177-3AD203B41FA5}">
-                      <a16:colId xmlns="" xmlns:a16="http://schemas.microsoft.com/office/drawing/2014/main" val="20000"/>
+                      <a16:colId xmlns:a16="http://schemas.microsoft.com/office/drawing/2014/main" xmlns="" val="20000"/>
                     </a:ext>
                   </a:extLst>
                 </a:gridCol>
                 <a:gridCol w="2950711">
                   <a:extLst>
                     <a:ext uri="{9D8B030D-6E8A-4147-A177-3AD203B41FA5}">
-                      <a16:colId xmlns="" xmlns:a16="http://schemas.microsoft.com/office/drawing/2014/main" val="20001"/>
+                      <a16:colId xmlns:a16="http://schemas.microsoft.com/office/drawing/2014/main" xmlns="" val="20001"/>
                     </a:ext>
                   </a:extLst>
                 </a:gridCol>
@@ -12397,7 +12397,7 @@
                 </a:tc>
                 <a:extLst>
                   <a:ext uri="{0D108BD9-81ED-4DB2-BD59-A6C34878D82A}">
-                    <a16:rowId xmlns="" xmlns:a16="http://schemas.microsoft.com/office/drawing/2014/main" val="10000"/>
+                    <a16:rowId xmlns:a16="http://schemas.microsoft.com/office/drawing/2014/main" xmlns="" val="10000"/>
                   </a:ext>
                 </a:extLst>
               </a:tr>
@@ -12462,7 +12462,7 @@
                 </a:tc>
                 <a:extLst>
                   <a:ext uri="{0D108BD9-81ED-4DB2-BD59-A6C34878D82A}">
-                    <a16:rowId xmlns="" xmlns:a16="http://schemas.microsoft.com/office/drawing/2014/main" val="10001"/>
+                    <a16:rowId xmlns:a16="http://schemas.microsoft.com/office/drawing/2014/main" xmlns="" val="10001"/>
                   </a:ext>
                 </a:extLst>
               </a:tr>
@@ -12530,7 +12530,7 @@
                 </a:tc>
                 <a:extLst>
                   <a:ext uri="{0D108BD9-81ED-4DB2-BD59-A6C34878D82A}">
-                    <a16:rowId xmlns="" xmlns:a16="http://schemas.microsoft.com/office/drawing/2014/main" val="10002"/>
+                    <a16:rowId xmlns:a16="http://schemas.microsoft.com/office/drawing/2014/main" xmlns="" val="10002"/>
                   </a:ext>
                 </a:extLst>
               </a:tr>
@@ -12601,7 +12601,7 @@
                 </a:tc>
                 <a:extLst>
                   <a:ext uri="{0D108BD9-81ED-4DB2-BD59-A6C34878D82A}">
-                    <a16:rowId xmlns="" xmlns:a16="http://schemas.microsoft.com/office/drawing/2014/main" val="10003"/>
+                    <a16:rowId xmlns:a16="http://schemas.microsoft.com/office/drawing/2014/main" xmlns="" val="10003"/>
                   </a:ext>
                 </a:extLst>
               </a:tr>
@@ -12666,7 +12666,7 @@
                 </a:tc>
                 <a:extLst>
                   <a:ext uri="{0D108BD9-81ED-4DB2-BD59-A6C34878D82A}">
-                    <a16:rowId xmlns="" xmlns:a16="http://schemas.microsoft.com/office/drawing/2014/main" val="10004"/>
+                    <a16:rowId xmlns:a16="http://schemas.microsoft.com/office/drawing/2014/main" xmlns="" val="10004"/>
                   </a:ext>
                 </a:extLst>
               </a:tr>
@@ -12702,14 +12702,14 @@
                 <a:gridCol w="2068965">
                   <a:extLst>
                     <a:ext uri="{9D8B030D-6E8A-4147-A177-3AD203B41FA5}">
-                      <a16:colId xmlns="" xmlns:a16="http://schemas.microsoft.com/office/drawing/2014/main" val="20000"/>
+                      <a16:colId xmlns:a16="http://schemas.microsoft.com/office/drawing/2014/main" xmlns="" val="20000"/>
                     </a:ext>
                   </a:extLst>
                 </a:gridCol>
                 <a:gridCol w="2950711">
                   <a:extLst>
                     <a:ext uri="{9D8B030D-6E8A-4147-A177-3AD203B41FA5}">
-                      <a16:colId xmlns="" xmlns:a16="http://schemas.microsoft.com/office/drawing/2014/main" val="20001"/>
+                      <a16:colId xmlns:a16="http://schemas.microsoft.com/office/drawing/2014/main" xmlns="" val="20001"/>
                     </a:ext>
                   </a:extLst>
                 </a:gridCol>
@@ -12775,7 +12775,7 @@
                 </a:tc>
                 <a:extLst>
                   <a:ext uri="{0D108BD9-81ED-4DB2-BD59-A6C34878D82A}">
-                    <a16:rowId xmlns="" xmlns:a16="http://schemas.microsoft.com/office/drawing/2014/main" val="10000"/>
+                    <a16:rowId xmlns:a16="http://schemas.microsoft.com/office/drawing/2014/main" xmlns="" val="10000"/>
                   </a:ext>
                 </a:extLst>
               </a:tr>
@@ -12840,7 +12840,7 @@
                 </a:tc>
                 <a:extLst>
                   <a:ext uri="{0D108BD9-81ED-4DB2-BD59-A6C34878D82A}">
-                    <a16:rowId xmlns="" xmlns:a16="http://schemas.microsoft.com/office/drawing/2014/main" val="10001"/>
+                    <a16:rowId xmlns:a16="http://schemas.microsoft.com/office/drawing/2014/main" xmlns="" val="10001"/>
                   </a:ext>
                 </a:extLst>
               </a:tr>
@@ -12917,7 +12917,7 @@
                 </a:tc>
                 <a:extLst>
                   <a:ext uri="{0D108BD9-81ED-4DB2-BD59-A6C34878D82A}">
-                    <a16:rowId xmlns="" xmlns:a16="http://schemas.microsoft.com/office/drawing/2014/main" val="10002"/>
+                    <a16:rowId xmlns:a16="http://schemas.microsoft.com/office/drawing/2014/main" xmlns="" val="10002"/>
                   </a:ext>
                 </a:extLst>
               </a:tr>
@@ -12988,7 +12988,7 @@
                 </a:tc>
                 <a:extLst>
                   <a:ext uri="{0D108BD9-81ED-4DB2-BD59-A6C34878D82A}">
-                    <a16:rowId xmlns="" xmlns:a16="http://schemas.microsoft.com/office/drawing/2014/main" val="10003"/>
+                    <a16:rowId xmlns:a16="http://schemas.microsoft.com/office/drawing/2014/main" xmlns="" val="10003"/>
                   </a:ext>
                 </a:extLst>
               </a:tr>
@@ -13053,7 +13053,7 @@
                 </a:tc>
                 <a:extLst>
                   <a:ext uri="{0D108BD9-81ED-4DB2-BD59-A6C34878D82A}">
-                    <a16:rowId xmlns="" xmlns:a16="http://schemas.microsoft.com/office/drawing/2014/main" val="10004"/>
+                    <a16:rowId xmlns:a16="http://schemas.microsoft.com/office/drawing/2014/main" xmlns="" val="10004"/>
                   </a:ext>
                 </a:extLst>
               </a:tr>
@@ -13089,14 +13089,14 @@
                 <a:gridCol w="2068965">
                   <a:extLst>
                     <a:ext uri="{9D8B030D-6E8A-4147-A177-3AD203B41FA5}">
-                      <a16:colId xmlns="" xmlns:a16="http://schemas.microsoft.com/office/drawing/2014/main" val="20000"/>
+                      <a16:colId xmlns:a16="http://schemas.microsoft.com/office/drawing/2014/main" xmlns="" val="20000"/>
                     </a:ext>
                   </a:extLst>
                 </a:gridCol>
                 <a:gridCol w="2950711">
                   <a:extLst>
                     <a:ext uri="{9D8B030D-6E8A-4147-A177-3AD203B41FA5}">
-                      <a16:colId xmlns="" xmlns:a16="http://schemas.microsoft.com/office/drawing/2014/main" val="20001"/>
+                      <a16:colId xmlns:a16="http://schemas.microsoft.com/office/drawing/2014/main" xmlns="" val="20001"/>
                     </a:ext>
                   </a:extLst>
                 </a:gridCol>
@@ -13162,7 +13162,7 @@
                 </a:tc>
                 <a:extLst>
                   <a:ext uri="{0D108BD9-81ED-4DB2-BD59-A6C34878D82A}">
-                    <a16:rowId xmlns="" xmlns:a16="http://schemas.microsoft.com/office/drawing/2014/main" val="10000"/>
+                    <a16:rowId xmlns:a16="http://schemas.microsoft.com/office/drawing/2014/main" xmlns="" val="10000"/>
                   </a:ext>
                 </a:extLst>
               </a:tr>
@@ -13230,7 +13230,7 @@
                 </a:tc>
                 <a:extLst>
                   <a:ext uri="{0D108BD9-81ED-4DB2-BD59-A6C34878D82A}">
-                    <a16:rowId xmlns="" xmlns:a16="http://schemas.microsoft.com/office/drawing/2014/main" val="10001"/>
+                    <a16:rowId xmlns:a16="http://schemas.microsoft.com/office/drawing/2014/main" xmlns="" val="10001"/>
                   </a:ext>
                 </a:extLst>
               </a:tr>
@@ -13301,7 +13301,7 @@
                 </a:tc>
                 <a:extLst>
                   <a:ext uri="{0D108BD9-81ED-4DB2-BD59-A6C34878D82A}">
-                    <a16:rowId xmlns="" xmlns:a16="http://schemas.microsoft.com/office/drawing/2014/main" val="10002"/>
+                    <a16:rowId xmlns:a16="http://schemas.microsoft.com/office/drawing/2014/main" xmlns="" val="10002"/>
                   </a:ext>
                 </a:extLst>
               </a:tr>
@@ -13372,7 +13372,7 @@
                 </a:tc>
                 <a:extLst>
                   <a:ext uri="{0D108BD9-81ED-4DB2-BD59-A6C34878D82A}">
-                    <a16:rowId xmlns="" xmlns:a16="http://schemas.microsoft.com/office/drawing/2014/main" val="10003"/>
+                    <a16:rowId xmlns:a16="http://schemas.microsoft.com/office/drawing/2014/main" xmlns="" val="10003"/>
                   </a:ext>
                 </a:extLst>
               </a:tr>
@@ -13437,7 +13437,7 @@
                 </a:tc>
                 <a:extLst>
                   <a:ext uri="{0D108BD9-81ED-4DB2-BD59-A6C34878D82A}">
-                    <a16:rowId xmlns="" xmlns:a16="http://schemas.microsoft.com/office/drawing/2014/main" val="10004"/>
+                    <a16:rowId xmlns:a16="http://schemas.microsoft.com/office/drawing/2014/main" xmlns="" val="10004"/>
                   </a:ext>
                 </a:extLst>
               </a:tr>
@@ -13516,6 +13516,120 @@
           </a:p>
         </p:txBody>
       </p:sp>
+      <p:sp>
+        <p:nvSpPr>
+          <p:cNvPr id="3" name="CuadroTexto 2"/>
+          <p:cNvSpPr txBox="1"/>
+          <p:nvPr/>
+        </p:nvSpPr>
+        <p:spPr>
+          <a:xfrm>
+            <a:off x="1828800" y="2572871"/>
+            <a:ext cx="7871012" cy="3539430"/>
+          </a:xfrm>
+          <a:prstGeom prst="rect">
+            <a:avLst/>
+          </a:prstGeom>
+          <a:noFill/>
+        </p:spPr>
+        <p:txBody>
+          <a:bodyPr wrap="square" rtlCol="0">
+            <a:spAutoFit/>
+          </a:bodyPr>
+          <a:lstStyle/>
+          <a:p>
+            <a:pPr marL="285750" indent="-285750">
+              <a:buFont typeface="Arial" panose="020B0604020202020204" pitchFamily="34" charset="0"/>
+              <a:buChar char="•"/>
+            </a:pPr>
+            <a:r>
+              <a:rPr lang="es-ES" sz="2800" dirty="0" smtClean="0">
+                <a:hlinkClick r:id="rId2" action="ppaction://hlinkfile"/>
+              </a:rPr>
+              <a:t>Casos de uso</a:t>
+            </a:r>
+            <a:endParaRPr lang="es-ES" sz="2800" dirty="0" smtClean="0"/>
+          </a:p>
+          <a:p>
+            <a:pPr marL="285750" indent="-285750">
+              <a:buFont typeface="Arial" panose="020B0604020202020204" pitchFamily="34" charset="0"/>
+              <a:buChar char="•"/>
+            </a:pPr>
+            <a:r>
+              <a:rPr lang="es-ES" sz="2800" dirty="0" smtClean="0"/>
+              <a:t>Casos de uso extendido</a:t>
+            </a:r>
+          </a:p>
+          <a:p>
+            <a:pPr marL="285750" indent="-285750">
+              <a:buFont typeface="Arial" panose="020B0604020202020204" pitchFamily="34" charset="0"/>
+              <a:buChar char="•"/>
+            </a:pPr>
+            <a:r>
+              <a:rPr lang="es-ES" sz="2800" dirty="0" smtClean="0">
+                <a:hlinkClick r:id="rId3" action="ppaction://hlinkfile"/>
+              </a:rPr>
+              <a:t>Modelo relacional</a:t>
+            </a:r>
+            <a:endParaRPr lang="es-ES" sz="2800" dirty="0" smtClean="0"/>
+          </a:p>
+          <a:p>
+            <a:pPr marL="285750" indent="-285750">
+              <a:buFont typeface="Arial" panose="020B0604020202020204" pitchFamily="34" charset="0"/>
+              <a:buChar char="•"/>
+            </a:pPr>
+            <a:r>
+              <a:rPr lang="es-ES" sz="2800" dirty="0" smtClean="0">
+                <a:hlinkClick r:id="rId4" action="ppaction://hlinkfile"/>
+              </a:rPr>
+              <a:t>Diccionario de datos</a:t>
+            </a:r>
+            <a:endParaRPr lang="es-ES" sz="2800" dirty="0" smtClean="0"/>
+          </a:p>
+          <a:p>
+            <a:pPr marL="285750" indent="-285750">
+              <a:buFont typeface="Arial" panose="020B0604020202020204" pitchFamily="34" charset="0"/>
+              <a:buChar char="•"/>
+            </a:pPr>
+            <a:r>
+              <a:rPr lang="es-ES" sz="2800" dirty="0" smtClean="0">
+                <a:hlinkClick r:id="rId5" action="ppaction://hlinkfile"/>
+              </a:rPr>
+              <a:t>Diagrama de Gantt</a:t>
+            </a:r>
+            <a:endParaRPr lang="es-ES" sz="2800" dirty="0" smtClean="0"/>
+          </a:p>
+          <a:p>
+            <a:pPr marL="285750" indent="-285750">
+              <a:buFont typeface="Arial" panose="020B0604020202020204" pitchFamily="34" charset="0"/>
+              <a:buChar char="•"/>
+            </a:pPr>
+            <a:r>
+              <a:rPr lang="es-ES" sz="2800" dirty="0" smtClean="0">
+                <a:hlinkClick r:id="rId6" action="ppaction://hlinkfile"/>
+              </a:rPr>
+              <a:t>Diagrama de clases</a:t>
+            </a:r>
+            <a:endParaRPr lang="es-ES" sz="2800" dirty="0" smtClean="0"/>
+          </a:p>
+          <a:p>
+            <a:pPr marL="285750" indent="-285750">
+              <a:buFont typeface="Arial" panose="020B0604020202020204" pitchFamily="34" charset="0"/>
+              <a:buChar char="•"/>
+            </a:pPr>
+            <a:r>
+              <a:rPr lang="es-ES" sz="2800" dirty="0" smtClean="0">
+                <a:hlinkClick r:id="rId7" action="ppaction://hlinkfile"/>
+              </a:rPr>
+              <a:t>Diagrama de distribución</a:t>
+            </a:r>
+            <a:endParaRPr lang="es-ES" sz="2800" dirty="0" smtClean="0"/>
+          </a:p>
+          <a:p>
+            <a:endParaRPr lang="es-ES" sz="2800" dirty="0"/>
+          </a:p>
+        </p:txBody>
+      </p:sp>
     </p:spTree>
     <p:extLst>
       <p:ext uri="{BB962C8B-B14F-4D97-AF65-F5344CB8AC3E}">
@@ -13526,6 +13640,13 @@
   <p:clrMapOvr>
     <a:masterClrMapping/>
   </p:clrMapOvr>
+  <p:timing>
+    <p:tnLst>
+      <p:par>
+        <p:cTn id="1" dur="indefinite" restart="never" nodeType="tmRoot"/>
+      </p:par>
+    </p:tnLst>
+  </p:timing>
 </p:sld>
 </file>
 
@@ -14192,11 +14313,7 @@
             </a:r>
             <a:r>
               <a:rPr lang="es-CO" dirty="0"/>
-              <a:t>con un catalogo de imágenes </a:t>
-            </a:r>
-            <a:r>
-              <a:rPr lang="es-CO" dirty="0"/>
-              <a:t>detallas del producto e información que me permita saber si este está agotado.</a:t>
+              <a:t>con un catalogo de imágenes detallas del producto e información que me permita saber si este está agotado.</a:t>
             </a:r>
           </a:p>
           <a:p>
@@ -14207,21 +14324,8 @@
             </a:pPr>
             <a:r>
               <a:rPr lang="es-CO" dirty="0"/>
-              <a:t>Dar </a:t>
+              <a:t>Dar aviso de cualquier anormalidad del producto </a:t>
             </a:r>
-            <a:r>
-              <a:rPr lang="es-CO" dirty="0"/>
-              <a:t>aviso de cualquier </a:t>
-            </a:r>
-            <a:r>
-              <a:rPr lang="es-CO" dirty="0"/>
-              <a:t>anormalidad </a:t>
-            </a:r>
-            <a:r>
-              <a:rPr lang="es-CO" dirty="0"/>
-              <a:t>del producto </a:t>
-            </a:r>
-            <a:endParaRPr lang="es-CO" dirty="0"/>
           </a:p>
           <a:p>
             <a:pPr algn="just">
@@ -15891,16 +15995,7 @@
                 <a:ea typeface="Calibri" panose="020F0502020204030204" pitchFamily="34" charset="0"/>
                 <a:cs typeface="Arial" panose="020B0604020202020204" pitchFamily="34" charset="0"/>
               </a:rPr>
-              <a:t>le</a:t>
-            </a:r>
-            <a:r>
-              <a:rPr lang="es-CO" sz="2800" dirty="0" smtClean="0">
-                <a:ln w="0"/>
-                <a:latin typeface="Arial" panose="020B0604020202020204" pitchFamily="34" charset="0"/>
-                <a:ea typeface="Calibri" panose="020F0502020204030204" pitchFamily="34" charset="0"/>
-                <a:cs typeface="Arial" panose="020B0604020202020204" pitchFamily="34" charset="0"/>
-              </a:rPr>
-              <a:t> </a:t>
+              <a:t>le </a:t>
             </a:r>
             <a:r>
               <a:rPr lang="es-CO" sz="2800" dirty="0">
